--- a/Apresentacao_Sprint1.pptx
+++ b/Apresentacao_Sprint1.pptx
@@ -16,7 +16,7 @@
     <p:sldId id="260" r:id="rId4"/>
     <p:sldId id="262" r:id="rId5"/>
     <p:sldId id="285" r:id="rId6"/>
-    <p:sldId id="291" r:id="rId7"/>
+    <p:sldId id="292" r:id="rId7"/>
     <p:sldId id="286" r:id="rId8"/>
     <p:sldId id="287" r:id="rId9"/>
     <p:sldId id="288" r:id="rId10"/>
@@ -12924,7 +12924,7 @@
           <p:cNvPr id="2" name="Espaço Reservado para Número de Slide 1">
             <a:extLst>
               <a:ext uri="{FF2B5EF4-FFF2-40B4-BE49-F238E27FC236}">
-                <a16:creationId xmlns:a16="http://schemas.microsoft.com/office/drawing/2014/main" id="{B6629EEC-A550-468B-85F7-748207DD51DD}"/>
+                <a16:creationId xmlns:a16="http://schemas.microsoft.com/office/drawing/2014/main" id="{5A52E29B-0C66-4D18-BF7C-8C3D1A5974D1}"/>
               </a:ext>
             </a:extLst>
           </p:cNvPr>
@@ -12962,7 +12962,7 @@
           <p:cNvPr id="3" name="Imagem 2">
             <a:extLst>
               <a:ext uri="{FF2B5EF4-FFF2-40B4-BE49-F238E27FC236}">
-                <a16:creationId xmlns:a16="http://schemas.microsoft.com/office/drawing/2014/main" id="{3971024D-A432-4F00-9888-F359B83EDE56}"/>
+                <a16:creationId xmlns:a16="http://schemas.microsoft.com/office/drawing/2014/main" id="{766CB865-9107-4044-86F2-8979023B0E3A}"/>
               </a:ext>
             </a:extLst>
           </p:cNvPr>
@@ -12979,8 +12979,8 @@
         </p:blipFill>
         <p:spPr>
           <a:xfrm>
-            <a:off x="781378" y="0"/>
-            <a:ext cx="8362622" cy="4680020"/>
+            <a:off x="730538" y="0"/>
+            <a:ext cx="8413462" cy="4730263"/>
           </a:xfrm>
           <a:prstGeom prst="rect">
             <a:avLst/>
@@ -12992,7 +12992,7 @@
           <p:cNvPr id="4" name="Google Shape;479;p15">
             <a:extLst>
               <a:ext uri="{FF2B5EF4-FFF2-40B4-BE49-F238E27FC236}">
-                <a16:creationId xmlns:a16="http://schemas.microsoft.com/office/drawing/2014/main" id="{867EB730-5B36-4852-ABF1-1A124E6AD333}"/>
+                <a16:creationId xmlns:a16="http://schemas.microsoft.com/office/drawing/2014/main" id="{334EB064-62F5-408D-B6D2-591CCB276789}"/>
               </a:ext>
             </a:extLst>
           </p:cNvPr>
@@ -13003,7 +13003,7 @@
         </p:nvSpPr>
         <p:spPr>
           <a:xfrm>
-            <a:off x="0" y="921705"/>
+            <a:off x="0" y="992044"/>
             <a:ext cx="2200589" cy="866274"/>
           </a:xfrm>
           <a:prstGeom prst="rect">
@@ -13288,7 +13288,7 @@
     </p:spTree>
     <p:extLst>
       <p:ext uri="{BB962C8B-B14F-4D97-AF65-F5344CB8AC3E}">
-        <p14:creationId xmlns:p14="http://schemas.microsoft.com/office/powerpoint/2010/main" val="1941525095"/>
+        <p14:creationId xmlns:p14="http://schemas.microsoft.com/office/powerpoint/2010/main" val="2723267537"/>
       </p:ext>
     </p:extLst>
   </p:cSld>

--- a/Apresentacao_Sprint1.pptx
+++ b/Apresentacao_Sprint1.pptx
@@ -5,10 +5,10 @@
     <p:sldMasterId id="2147483659" r:id="rId1"/>
   </p:sldMasterIdLst>
   <p:notesMasterIdLst>
-    <p:notesMasterId r:id="rId13"/>
+    <p:notesMasterId r:id="rId14"/>
   </p:notesMasterIdLst>
   <p:handoutMasterIdLst>
-    <p:handoutMasterId r:id="rId14"/>
+    <p:handoutMasterId r:id="rId15"/>
   </p:handoutMasterIdLst>
   <p:sldIdLst>
     <p:sldId id="256" r:id="rId2"/>
@@ -22,21 +22,22 @@
     <p:sldId id="288" r:id="rId10"/>
     <p:sldId id="289" r:id="rId11"/>
     <p:sldId id="290" r:id="rId12"/>
+    <p:sldId id="293" r:id="rId13"/>
   </p:sldIdLst>
   <p:sldSz cx="9144000" cy="5143500" type="screen16x9"/>
   <p:notesSz cx="6858000" cy="9144000"/>
   <p:embeddedFontLst>
     <p:embeddedFont>
       <p:font typeface="Oswald" panose="020B0604020202020204" charset="0"/>
-      <p:regular r:id="rId15"/>
-      <p:bold r:id="rId16"/>
+      <p:regular r:id="rId16"/>
+      <p:bold r:id="rId17"/>
     </p:embeddedFont>
     <p:embeddedFont>
       <p:font typeface="Source Sans Pro" panose="020B0503030403020204" pitchFamily="34" charset="0"/>
-      <p:regular r:id="rId17"/>
-      <p:bold r:id="rId18"/>
-      <p:italic r:id="rId19"/>
-      <p:boldItalic r:id="rId20"/>
+      <p:regular r:id="rId18"/>
+      <p:bold r:id="rId19"/>
+      <p:italic r:id="rId20"/>
+      <p:boldItalic r:id="rId21"/>
     </p:embeddedFont>
   </p:embeddedFontLst>
   <p:defaultTextStyle>
@@ -10631,7 +10632,7 @@
               <a:buNone/>
             </a:pPr>
             <a:r>
-              <a:rPr lang="pt-BR" sz="3600" b="1" dirty="0"/>
+              <a:rPr lang="pt-BR" sz="3600" b="1"/>
               <a:t>Diagrama de BD</a:t>
             </a:r>
           </a:p>
@@ -10648,6 +10649,371 @@
     <p:extLst>
       <p:ext uri="{BB962C8B-B14F-4D97-AF65-F5344CB8AC3E}">
         <p14:creationId xmlns:p14="http://schemas.microsoft.com/office/powerpoint/2010/main" val="1244228561"/>
+      </p:ext>
+    </p:extLst>
+  </p:cSld>
+  <p:clrMapOvr>
+    <a:masterClrMapping/>
+  </p:clrMapOvr>
+</p:sld>
+</file>
+
+<file path=ppt/slides/slide12.xml><?xml version="1.0" encoding="utf-8"?>
+<p:sld xmlns:a="http://schemas.openxmlformats.org/drawingml/2006/main" xmlns:r="http://schemas.openxmlformats.org/officeDocument/2006/relationships" xmlns:p="http://schemas.openxmlformats.org/presentationml/2006/main">
+  <p:cSld>
+    <p:spTree>
+      <p:nvGrpSpPr>
+        <p:cNvPr id="1" name=""/>
+        <p:cNvGrpSpPr/>
+        <p:nvPr/>
+      </p:nvGrpSpPr>
+      <p:grpSpPr>
+        <a:xfrm>
+          <a:off x="0" y="0"/>
+          <a:ext cx="0" cy="0"/>
+          <a:chOff x="0" y="0"/>
+          <a:chExt cx="0" cy="0"/>
+        </a:xfrm>
+      </p:grpSpPr>
+      <p:sp>
+        <p:nvSpPr>
+          <p:cNvPr id="2" name="Espaço Reservado para Número de Slide 1">
+            <a:extLst>
+              <a:ext uri="{FF2B5EF4-FFF2-40B4-BE49-F238E27FC236}">
+                <a16:creationId xmlns:a16="http://schemas.microsoft.com/office/drawing/2014/main" id="{88023FE0-CF7E-4B89-B1E7-A6C45208A539}"/>
+              </a:ext>
+            </a:extLst>
+          </p:cNvPr>
+          <p:cNvSpPr>
+            <a:spLocks noGrp="1"/>
+          </p:cNvSpPr>
+          <p:nvPr>
+            <p:ph type="sldNum" idx="12"/>
+          </p:nvPr>
+        </p:nvSpPr>
+        <p:spPr/>
+        <p:txBody>
+          <a:bodyPr/>
+          <a:lstStyle/>
+          <a:p>
+            <a:pPr marL="0" lvl="0" indent="0" algn="r" rtl="0">
+              <a:spcBef>
+                <a:spcPts val="0"/>
+              </a:spcBef>
+              <a:spcAft>
+                <a:spcPts val="0"/>
+              </a:spcAft>
+              <a:buNone/>
+            </a:pPr>
+            <a:fld id="{00000000-1234-1234-1234-123412341234}" type="slidenum">
+              <a:rPr lang="pt-BR" smtClean="0"/>
+              <a:t>12</a:t>
+            </a:fld>
+            <a:endParaRPr lang="pt-BR"/>
+          </a:p>
+        </p:txBody>
+      </p:sp>
+      <p:sp>
+        <p:nvSpPr>
+          <p:cNvPr id="3" name="Google Shape;479;p15">
+            <a:extLst>
+              <a:ext uri="{FF2B5EF4-FFF2-40B4-BE49-F238E27FC236}">
+                <a16:creationId xmlns:a16="http://schemas.microsoft.com/office/drawing/2014/main" id="{CE3F20B4-ED31-43AD-9B4C-A1E3EC33A5E6}"/>
+              </a:ext>
+            </a:extLst>
+          </p:cNvPr>
+          <p:cNvSpPr txBox="1">
+            <a:spLocks/>
+          </p:cNvSpPr>
+          <p:nvPr/>
+        </p:nvSpPr>
+        <p:spPr>
+          <a:xfrm>
+            <a:off x="255181" y="316134"/>
+            <a:ext cx="4401879" cy="1331913"/>
+          </a:xfrm>
+          <a:prstGeom prst="rect">
+            <a:avLst/>
+          </a:prstGeom>
+          <a:noFill/>
+          <a:ln>
+            <a:noFill/>
+          </a:ln>
+        </p:spPr>
+        <p:txBody>
+          <a:bodyPr spcFirstLastPara="1" wrap="square" lIns="91425" tIns="91425" rIns="91425" bIns="91425" anchor="t" anchorCtr="0">
+            <a:noAutofit/>
+          </a:bodyPr>
+          <a:lstStyle>
+            <a:defPPr marR="0" lvl="0" algn="l" rtl="0">
+              <a:lnSpc>
+                <a:spcPct val="100000"/>
+              </a:lnSpc>
+              <a:spcBef>
+                <a:spcPts val="0"/>
+              </a:spcBef>
+              <a:spcAft>
+                <a:spcPts val="0"/>
+              </a:spcAft>
+            </a:defPPr>
+            <a:lvl1pPr marL="457200" marR="0" lvl="0" indent="-355600" algn="l" rtl="0">
+              <a:lnSpc>
+                <a:spcPct val="100000"/>
+              </a:lnSpc>
+              <a:spcBef>
+                <a:spcPts val="600"/>
+              </a:spcBef>
+              <a:spcAft>
+                <a:spcPts val="0"/>
+              </a:spcAft>
+              <a:buClr>
+                <a:srgbClr val="28324A"/>
+              </a:buClr>
+              <a:buSzPts val="2000"/>
+              <a:buFont typeface="Source Sans Pro"/>
+              <a:buChar char="◉"/>
+              <a:defRPr sz="2000" b="0" i="0" u="none" strike="noStrike" cap="none">
+                <a:solidFill>
+                  <a:srgbClr val="28324A"/>
+                </a:solidFill>
+                <a:latin typeface="Source Sans Pro"/>
+                <a:ea typeface="Source Sans Pro"/>
+                <a:cs typeface="Source Sans Pro"/>
+                <a:sym typeface="Source Sans Pro"/>
+              </a:defRPr>
+            </a:lvl1pPr>
+            <a:lvl2pPr marL="914400" marR="0" lvl="1" indent="-342900" algn="l" rtl="0">
+              <a:lnSpc>
+                <a:spcPct val="100000"/>
+              </a:lnSpc>
+              <a:spcBef>
+                <a:spcPts val="0"/>
+              </a:spcBef>
+              <a:spcAft>
+                <a:spcPts val="0"/>
+              </a:spcAft>
+              <a:buClr>
+                <a:srgbClr val="28324A"/>
+              </a:buClr>
+              <a:buSzPts val="1800"/>
+              <a:buFont typeface="Source Sans Pro"/>
+              <a:buChar char="◉"/>
+              <a:defRPr sz="1800" b="0" i="0" u="none" strike="noStrike" cap="none">
+                <a:solidFill>
+                  <a:srgbClr val="28324A"/>
+                </a:solidFill>
+                <a:latin typeface="Source Sans Pro"/>
+                <a:ea typeface="Source Sans Pro"/>
+                <a:cs typeface="Source Sans Pro"/>
+                <a:sym typeface="Source Sans Pro"/>
+              </a:defRPr>
+            </a:lvl2pPr>
+            <a:lvl3pPr marL="1371600" marR="0" lvl="2" indent="-342900" algn="l" rtl="0">
+              <a:lnSpc>
+                <a:spcPct val="100000"/>
+              </a:lnSpc>
+              <a:spcBef>
+                <a:spcPts val="0"/>
+              </a:spcBef>
+              <a:spcAft>
+                <a:spcPts val="0"/>
+              </a:spcAft>
+              <a:buClr>
+                <a:srgbClr val="28324A"/>
+              </a:buClr>
+              <a:buSzPts val="1800"/>
+              <a:buFont typeface="Source Sans Pro"/>
+              <a:buChar char="■"/>
+              <a:defRPr sz="1800" b="0" i="0" u="none" strike="noStrike" cap="none">
+                <a:solidFill>
+                  <a:srgbClr val="28324A"/>
+                </a:solidFill>
+                <a:latin typeface="Source Sans Pro"/>
+                <a:ea typeface="Source Sans Pro"/>
+                <a:cs typeface="Source Sans Pro"/>
+                <a:sym typeface="Source Sans Pro"/>
+              </a:defRPr>
+            </a:lvl3pPr>
+            <a:lvl4pPr marL="1828800" marR="0" lvl="3" indent="-342900" algn="l" rtl="0">
+              <a:lnSpc>
+                <a:spcPct val="100000"/>
+              </a:lnSpc>
+              <a:spcBef>
+                <a:spcPts val="0"/>
+              </a:spcBef>
+              <a:spcAft>
+                <a:spcPts val="0"/>
+              </a:spcAft>
+              <a:buClr>
+                <a:srgbClr val="28324A"/>
+              </a:buClr>
+              <a:buSzPts val="1800"/>
+              <a:buFont typeface="Source Sans Pro"/>
+              <a:buChar char="●"/>
+              <a:defRPr sz="1800" b="0" i="0" u="none" strike="noStrike" cap="none">
+                <a:solidFill>
+                  <a:srgbClr val="28324A"/>
+                </a:solidFill>
+                <a:latin typeface="Source Sans Pro"/>
+                <a:ea typeface="Source Sans Pro"/>
+                <a:cs typeface="Source Sans Pro"/>
+                <a:sym typeface="Source Sans Pro"/>
+              </a:defRPr>
+            </a:lvl4pPr>
+            <a:lvl5pPr marL="2286000" marR="0" lvl="4" indent="-342900" algn="l" rtl="0">
+              <a:lnSpc>
+                <a:spcPct val="100000"/>
+              </a:lnSpc>
+              <a:spcBef>
+                <a:spcPts val="0"/>
+              </a:spcBef>
+              <a:spcAft>
+                <a:spcPts val="0"/>
+              </a:spcAft>
+              <a:buClr>
+                <a:srgbClr val="28324A"/>
+              </a:buClr>
+              <a:buSzPts val="1800"/>
+              <a:buFont typeface="Source Sans Pro"/>
+              <a:buChar char="○"/>
+              <a:defRPr sz="1800" b="0" i="0" u="none" strike="noStrike" cap="none">
+                <a:solidFill>
+                  <a:srgbClr val="28324A"/>
+                </a:solidFill>
+                <a:latin typeface="Source Sans Pro"/>
+                <a:ea typeface="Source Sans Pro"/>
+                <a:cs typeface="Source Sans Pro"/>
+                <a:sym typeface="Source Sans Pro"/>
+              </a:defRPr>
+            </a:lvl5pPr>
+            <a:lvl6pPr marL="2743200" marR="0" lvl="5" indent="-342900" algn="l" rtl="0">
+              <a:lnSpc>
+                <a:spcPct val="100000"/>
+              </a:lnSpc>
+              <a:spcBef>
+                <a:spcPts val="0"/>
+              </a:spcBef>
+              <a:spcAft>
+                <a:spcPts val="0"/>
+              </a:spcAft>
+              <a:buClr>
+                <a:srgbClr val="28324A"/>
+              </a:buClr>
+              <a:buSzPts val="1800"/>
+              <a:buFont typeface="Source Sans Pro"/>
+              <a:buChar char="■"/>
+              <a:defRPr sz="1800" b="0" i="0" u="none" strike="noStrike" cap="none">
+                <a:solidFill>
+                  <a:srgbClr val="28324A"/>
+                </a:solidFill>
+                <a:latin typeface="Source Sans Pro"/>
+                <a:ea typeface="Source Sans Pro"/>
+                <a:cs typeface="Source Sans Pro"/>
+                <a:sym typeface="Source Sans Pro"/>
+              </a:defRPr>
+            </a:lvl6pPr>
+            <a:lvl7pPr marL="3200400" marR="0" lvl="6" indent="-342900" algn="l" rtl="0">
+              <a:lnSpc>
+                <a:spcPct val="100000"/>
+              </a:lnSpc>
+              <a:spcBef>
+                <a:spcPts val="0"/>
+              </a:spcBef>
+              <a:spcAft>
+                <a:spcPts val="0"/>
+              </a:spcAft>
+              <a:buClr>
+                <a:srgbClr val="28324A"/>
+              </a:buClr>
+              <a:buSzPts val="1800"/>
+              <a:buFont typeface="Source Sans Pro"/>
+              <a:buChar char="●"/>
+              <a:defRPr sz="1800" b="0" i="0" u="none" strike="noStrike" cap="none">
+                <a:solidFill>
+                  <a:srgbClr val="28324A"/>
+                </a:solidFill>
+                <a:latin typeface="Source Sans Pro"/>
+                <a:ea typeface="Source Sans Pro"/>
+                <a:cs typeface="Source Sans Pro"/>
+                <a:sym typeface="Source Sans Pro"/>
+              </a:defRPr>
+            </a:lvl7pPr>
+            <a:lvl8pPr marL="3657600" marR="0" lvl="7" indent="-342900" algn="l" rtl="0">
+              <a:lnSpc>
+                <a:spcPct val="100000"/>
+              </a:lnSpc>
+              <a:spcBef>
+                <a:spcPts val="0"/>
+              </a:spcBef>
+              <a:spcAft>
+                <a:spcPts val="0"/>
+              </a:spcAft>
+              <a:buClr>
+                <a:srgbClr val="28324A"/>
+              </a:buClr>
+              <a:buSzPts val="1800"/>
+              <a:buFont typeface="Source Sans Pro"/>
+              <a:buChar char="○"/>
+              <a:defRPr sz="1800" b="0" i="0" u="none" strike="noStrike" cap="none">
+                <a:solidFill>
+                  <a:srgbClr val="28324A"/>
+                </a:solidFill>
+                <a:latin typeface="Source Sans Pro"/>
+                <a:ea typeface="Source Sans Pro"/>
+                <a:cs typeface="Source Sans Pro"/>
+                <a:sym typeface="Source Sans Pro"/>
+              </a:defRPr>
+            </a:lvl8pPr>
+            <a:lvl9pPr marL="4114800" marR="0" lvl="8" indent="-342900" algn="l" rtl="0">
+              <a:lnSpc>
+                <a:spcPct val="100000"/>
+              </a:lnSpc>
+              <a:spcBef>
+                <a:spcPts val="0"/>
+              </a:spcBef>
+              <a:spcAft>
+                <a:spcPts val="0"/>
+              </a:spcAft>
+              <a:buClr>
+                <a:srgbClr val="28324A"/>
+              </a:buClr>
+              <a:buSzPts val="1800"/>
+              <a:buFont typeface="Source Sans Pro"/>
+              <a:buChar char="■"/>
+              <a:defRPr sz="1800" b="0" i="0" u="none" strike="noStrike" cap="none">
+                <a:solidFill>
+                  <a:srgbClr val="28324A"/>
+                </a:solidFill>
+                <a:latin typeface="Source Sans Pro"/>
+                <a:ea typeface="Source Sans Pro"/>
+                <a:cs typeface="Source Sans Pro"/>
+                <a:sym typeface="Source Sans Pro"/>
+              </a:defRPr>
+            </a:lvl9pPr>
+          </a:lstStyle>
+          <a:p>
+            <a:pPr marL="0" indent="0" algn="ctr">
+              <a:buFont typeface="Source Sans Pro"/>
+              <a:buNone/>
+            </a:pPr>
+            <a:r>
+              <a:rPr lang="pt-BR" sz="3600" b="1" dirty="0"/>
+              <a:t>Site Estático</a:t>
+            </a:r>
+          </a:p>
+          <a:p>
+            <a:pPr marL="0" indent="0" algn="ctr">
+              <a:buFont typeface="Source Sans Pro"/>
+              <a:buNone/>
+            </a:pPr>
+            <a:endParaRPr lang="pt-BR" sz="3600" b="1" dirty="0"/>
+          </a:p>
+        </p:txBody>
+      </p:sp>
+    </p:spTree>
+    <p:extLst>
+      <p:ext uri="{BB962C8B-B14F-4D97-AF65-F5344CB8AC3E}">
+        <p14:creationId xmlns:p14="http://schemas.microsoft.com/office/powerpoint/2010/main" val="135617139"/>
       </p:ext>
     </p:extLst>
   </p:cSld>
